--- a/AI Applications/study 발표/Literature study PPT-SoheeKim.pptx
+++ b/AI Applications/study 발표/Literature study PPT-SoheeKim.pptx
@@ -5,14 +5,15 @@
     <p:sldMasterId id="2147483648" r:id="rId1"/>
   </p:sldMasterIdLst>
   <p:notesMasterIdLst>
-    <p:notesMasterId r:id="rId7"/>
+    <p:notesMasterId r:id="rId8"/>
   </p:notesMasterIdLst>
   <p:sldIdLst>
     <p:sldId id="256" r:id="rId2"/>
     <p:sldId id="261" r:id="rId3"/>
     <p:sldId id="278" r:id="rId4"/>
     <p:sldId id="279" r:id="rId5"/>
-    <p:sldId id="281" r:id="rId6"/>
+    <p:sldId id="283" r:id="rId6"/>
+    <p:sldId id="259" r:id="rId7"/>
   </p:sldIdLst>
   <p:sldSz cx="12192000" cy="6858000"/>
   <p:notesSz cx="6797675" cy="9926638"/>
@@ -122,13 +123,238 @@
 <file path=ppt/revisionInfo.xml><?xml version="1.0" encoding="utf-8"?>
 <p1510:revInfo xmlns:a="http://schemas.openxmlformats.org/drawingml/2006/main" xmlns:r="http://schemas.openxmlformats.org/officeDocument/2006/relationships" xmlns:p1510="http://schemas.microsoft.com/office/powerpoint/2015/10/main">
   <p1510:revLst>
-    <p1510:client id="{11143BCC-B178-4414-B70F-34B1036F76C8}" v="4" dt="2022-05-29T08:59:45.629"/>
+    <p1510:client id="{E9067F50-2CC8-4791-9D95-08591139FED5}" v="10" dt="2022-06-06T08:30:00.762"/>
   </p1510:revLst>
 </p1510:revInfo>
 </file>
 
 <file path=ppt/changesInfos/changesInfo1.xml><?xml version="1.0" encoding="utf-8"?>
 <pc:chgInfo xmlns:a="http://schemas.openxmlformats.org/drawingml/2006/main" xmlns:r="http://schemas.openxmlformats.org/officeDocument/2006/relationships" xmlns:ac="http://schemas.microsoft.com/office/drawing/2013/main/command" xmlns:pc="http://schemas.microsoft.com/office/powerpoint/2013/main/command">
+  <pc:docChgLst>
+    <pc:chgData name="김소희" userId="292a1162-0793-4577-a94d-2dae0dfa5995" providerId="ADAL" clId="{E9067F50-2CC8-4791-9D95-08591139FED5}"/>
+    <pc:docChg chg="undo redo custSel addSld delSld modSld sldOrd">
+      <pc:chgData name="김소희" userId="292a1162-0793-4577-a94d-2dae0dfa5995" providerId="ADAL" clId="{E9067F50-2CC8-4791-9D95-08591139FED5}" dt="2022-06-06T08:45:46.533" v="479" actId="14"/>
+      <pc:docMkLst>
+        <pc:docMk/>
+      </pc:docMkLst>
+      <pc:sldChg chg="addSp delSp modSp mod">
+        <pc:chgData name="김소희" userId="292a1162-0793-4577-a94d-2dae0dfa5995" providerId="ADAL" clId="{E9067F50-2CC8-4791-9D95-08591139FED5}" dt="2022-06-06T08:28:25.182" v="138" actId="1076"/>
+        <pc:sldMkLst>
+          <pc:docMk/>
+          <pc:sldMk cId="2353614662" sldId="256"/>
+        </pc:sldMkLst>
+        <pc:spChg chg="mod">
+          <ac:chgData name="김소희" userId="292a1162-0793-4577-a94d-2dae0dfa5995" providerId="ADAL" clId="{E9067F50-2CC8-4791-9D95-08591139FED5}" dt="2022-06-06T08:25:55.882" v="118" actId="1076"/>
+          <ac:spMkLst>
+            <pc:docMk/>
+            <pc:sldMk cId="2353614662" sldId="256"/>
+            <ac:spMk id="5" creationId="{0D0E7567-80CC-4A46-8FA5-E251CBC1D6E1}"/>
+          </ac:spMkLst>
+        </pc:spChg>
+        <pc:spChg chg="add del mod">
+          <ac:chgData name="김소희" userId="292a1162-0793-4577-a94d-2dae0dfa5995" providerId="ADAL" clId="{E9067F50-2CC8-4791-9D95-08591139FED5}" dt="2022-06-06T08:24:02.732" v="73" actId="478"/>
+          <ac:spMkLst>
+            <pc:docMk/>
+            <pc:sldMk cId="2353614662" sldId="256"/>
+            <ac:spMk id="7" creationId="{05CE414D-13B4-4C99-2AB0-FEFC816D179F}"/>
+          </ac:spMkLst>
+        </pc:spChg>
+        <pc:spChg chg="add mod">
+          <ac:chgData name="김소희" userId="292a1162-0793-4577-a94d-2dae0dfa5995" providerId="ADAL" clId="{E9067F50-2CC8-4791-9D95-08591139FED5}" dt="2022-06-06T08:25:51.923" v="117" actId="1035"/>
+          <ac:spMkLst>
+            <pc:docMk/>
+            <pc:sldMk cId="2353614662" sldId="256"/>
+            <ac:spMk id="8" creationId="{04467E98-CB13-CFF4-194D-C491AB4A92F1}"/>
+          </ac:spMkLst>
+        </pc:spChg>
+        <pc:spChg chg="add mod">
+          <ac:chgData name="김소희" userId="292a1162-0793-4577-a94d-2dae0dfa5995" providerId="ADAL" clId="{E9067F50-2CC8-4791-9D95-08591139FED5}" dt="2022-06-06T08:25:51.923" v="117" actId="1035"/>
+          <ac:spMkLst>
+            <pc:docMk/>
+            <pc:sldMk cId="2353614662" sldId="256"/>
+            <ac:spMk id="9" creationId="{EF3A5E0F-0285-EF60-B5BF-B4948F2ADDA3}"/>
+          </ac:spMkLst>
+        </pc:spChg>
+        <pc:spChg chg="mod">
+          <ac:chgData name="김소희" userId="292a1162-0793-4577-a94d-2dae0dfa5995" providerId="ADAL" clId="{E9067F50-2CC8-4791-9D95-08591139FED5}" dt="2022-06-06T08:28:25.182" v="138" actId="1076"/>
+          <ac:spMkLst>
+            <pc:docMk/>
+            <pc:sldMk cId="2353614662" sldId="256"/>
+            <ac:spMk id="12" creationId="{9C51099D-5275-16C8-CAFB-F1A0EE7ACAA8}"/>
+          </ac:spMkLst>
+        </pc:spChg>
+      </pc:sldChg>
+      <pc:sldChg chg="add del">
+        <pc:chgData name="김소희" userId="292a1162-0793-4577-a94d-2dae0dfa5995" providerId="ADAL" clId="{E9067F50-2CC8-4791-9D95-08591139FED5}" dt="2022-06-06T08:20:20.085" v="7" actId="47"/>
+        <pc:sldMkLst>
+          <pc:docMk/>
+          <pc:sldMk cId="2446456825" sldId="257"/>
+        </pc:sldMkLst>
+      </pc:sldChg>
+      <pc:sldChg chg="addSp delSp modSp add mod">
+        <pc:chgData name="김소희" userId="292a1162-0793-4577-a94d-2dae0dfa5995" providerId="ADAL" clId="{E9067F50-2CC8-4791-9D95-08591139FED5}" dt="2022-06-06T08:45:46.533" v="479" actId="14"/>
+        <pc:sldMkLst>
+          <pc:docMk/>
+          <pc:sldMk cId="3100450580" sldId="259"/>
+        </pc:sldMkLst>
+        <pc:spChg chg="add del mod">
+          <ac:chgData name="김소희" userId="292a1162-0793-4577-a94d-2dae0dfa5995" providerId="ADAL" clId="{E9067F50-2CC8-4791-9D95-08591139FED5}" dt="2022-06-06T08:27:46.015" v="136" actId="21"/>
+          <ac:spMkLst>
+            <pc:docMk/>
+            <pc:sldMk cId="3100450580" sldId="259"/>
+            <ac:spMk id="4" creationId="{50821B38-5110-2868-079B-2908D26F3805}"/>
+          </ac:spMkLst>
+        </pc:spChg>
+        <pc:spChg chg="mod">
+          <ac:chgData name="김소희" userId="292a1162-0793-4577-a94d-2dae0dfa5995" providerId="ADAL" clId="{E9067F50-2CC8-4791-9D95-08591139FED5}" dt="2022-06-06T08:45:46.533" v="479" actId="14"/>
+          <ac:spMkLst>
+            <pc:docMk/>
+            <pc:sldMk cId="3100450580" sldId="259"/>
+            <ac:spMk id="5" creationId="{979509AF-A27F-733C-57C1-9246C7112254}"/>
+          </ac:spMkLst>
+        </pc:spChg>
+        <pc:spChg chg="mod">
+          <ac:chgData name="김소희" userId="292a1162-0793-4577-a94d-2dae0dfa5995" providerId="ADAL" clId="{E9067F50-2CC8-4791-9D95-08591139FED5}" dt="2022-06-06T08:27:33.473" v="131" actId="14100"/>
+          <ac:spMkLst>
+            <pc:docMk/>
+            <pc:sldMk cId="3100450580" sldId="259"/>
+            <ac:spMk id="9" creationId="{05596BCF-D308-A29D-49E5-1678F5F8F27E}"/>
+          </ac:spMkLst>
+        </pc:spChg>
+        <pc:spChg chg="mod">
+          <ac:chgData name="김소희" userId="292a1162-0793-4577-a94d-2dae0dfa5995" providerId="ADAL" clId="{E9067F50-2CC8-4791-9D95-08591139FED5}" dt="2022-06-06T08:32:34.930" v="229" actId="1076"/>
+          <ac:spMkLst>
+            <pc:docMk/>
+            <pc:sldMk cId="3100450580" sldId="259"/>
+            <ac:spMk id="11" creationId="{9B6A7BE8-DA0E-E598-1132-9B432BA49502}"/>
+          </ac:spMkLst>
+        </pc:spChg>
+        <pc:spChg chg="del">
+          <ac:chgData name="김소희" userId="292a1162-0793-4577-a94d-2dae0dfa5995" providerId="ADAL" clId="{E9067F50-2CC8-4791-9D95-08591139FED5}" dt="2022-06-06T08:30:00.762" v="150" actId="478"/>
+          <ac:spMkLst>
+            <pc:docMk/>
+            <pc:sldMk cId="3100450580" sldId="259"/>
+            <ac:spMk id="12" creationId="{FD27C1CD-9F31-25AB-CF79-C071770ECD7C}"/>
+          </ac:spMkLst>
+        </pc:spChg>
+        <pc:spChg chg="del">
+          <ac:chgData name="김소희" userId="292a1162-0793-4577-a94d-2dae0dfa5995" providerId="ADAL" clId="{E9067F50-2CC8-4791-9D95-08591139FED5}" dt="2022-06-06T08:30:00.762" v="150" actId="478"/>
+          <ac:spMkLst>
+            <pc:docMk/>
+            <pc:sldMk cId="3100450580" sldId="259"/>
+            <ac:spMk id="15" creationId="{BC70EB06-062B-F384-6999-EBF53C0D916E}"/>
+          </ac:spMkLst>
+        </pc:spChg>
+        <pc:spChg chg="del">
+          <ac:chgData name="김소희" userId="292a1162-0793-4577-a94d-2dae0dfa5995" providerId="ADAL" clId="{E9067F50-2CC8-4791-9D95-08591139FED5}" dt="2022-06-06T08:30:00.762" v="150" actId="478"/>
+          <ac:spMkLst>
+            <pc:docMk/>
+            <pc:sldMk cId="3100450580" sldId="259"/>
+            <ac:spMk id="16" creationId="{FD7D4674-EE65-4617-5BF5-7C4D5D0E2973}"/>
+          </ac:spMkLst>
+        </pc:spChg>
+        <pc:picChg chg="del">
+          <ac:chgData name="김소희" userId="292a1162-0793-4577-a94d-2dae0dfa5995" providerId="ADAL" clId="{E9067F50-2CC8-4791-9D95-08591139FED5}" dt="2022-06-06T08:30:00.762" v="150" actId="478"/>
+          <ac:picMkLst>
+            <pc:docMk/>
+            <pc:sldMk cId="3100450580" sldId="259"/>
+            <ac:picMk id="1028" creationId="{DDA27E61-827D-73E9-3260-9DCCEB5FEDAF}"/>
+          </ac:picMkLst>
+        </pc:picChg>
+      </pc:sldChg>
+      <pc:sldChg chg="addSp modSp">
+        <pc:chgData name="김소희" userId="292a1162-0793-4577-a94d-2dae0dfa5995" providerId="ADAL" clId="{E9067F50-2CC8-4791-9D95-08591139FED5}" dt="2022-06-06T08:27:48.732" v="137"/>
+        <pc:sldMkLst>
+          <pc:docMk/>
+          <pc:sldMk cId="252891327" sldId="261"/>
+        </pc:sldMkLst>
+        <pc:spChg chg="add mod">
+          <ac:chgData name="김소희" userId="292a1162-0793-4577-a94d-2dae0dfa5995" providerId="ADAL" clId="{E9067F50-2CC8-4791-9D95-08591139FED5}" dt="2022-06-06T08:27:48.732" v="137"/>
+          <ac:spMkLst>
+            <pc:docMk/>
+            <pc:sldMk cId="252891327" sldId="261"/>
+            <ac:spMk id="13" creationId="{FC72D5E7-4949-1CBB-14CD-8AB8843F6123}"/>
+          </ac:spMkLst>
+        </pc:spChg>
+      </pc:sldChg>
+      <pc:sldChg chg="modSp mod">
+        <pc:chgData name="김소희" userId="292a1162-0793-4577-a94d-2dae0dfa5995" providerId="ADAL" clId="{E9067F50-2CC8-4791-9D95-08591139FED5}" dt="2022-06-06T08:28:55.151" v="139" actId="207"/>
+        <pc:sldMkLst>
+          <pc:docMk/>
+          <pc:sldMk cId="197451739" sldId="279"/>
+        </pc:sldMkLst>
+        <pc:spChg chg="mod">
+          <ac:chgData name="김소희" userId="292a1162-0793-4577-a94d-2dae0dfa5995" providerId="ADAL" clId="{E9067F50-2CC8-4791-9D95-08591139FED5}" dt="2022-06-06T08:28:55.151" v="139" actId="207"/>
+          <ac:spMkLst>
+            <pc:docMk/>
+            <pc:sldMk cId="197451739" sldId="279"/>
+            <ac:spMk id="7" creationId="{5F7AC6CC-8860-1F94-DEC0-65B37276ED29}"/>
+          </ac:spMkLst>
+        </pc:spChg>
+      </pc:sldChg>
+      <pc:sldChg chg="del">
+        <pc:chgData name="김소희" userId="292a1162-0793-4577-a94d-2dae0dfa5995" providerId="ADAL" clId="{E9067F50-2CC8-4791-9D95-08591139FED5}" dt="2022-06-06T08:22:43.664" v="58" actId="47"/>
+        <pc:sldMkLst>
+          <pc:docMk/>
+          <pc:sldMk cId="464853308" sldId="281"/>
+        </pc:sldMkLst>
+      </pc:sldChg>
+      <pc:sldChg chg="delSp add del mod">
+        <pc:chgData name="김소희" userId="292a1162-0793-4577-a94d-2dae0dfa5995" providerId="ADAL" clId="{E9067F50-2CC8-4791-9D95-08591139FED5}" dt="2022-06-06T08:26:58.767" v="122" actId="47"/>
+        <pc:sldMkLst>
+          <pc:docMk/>
+          <pc:sldMk cId="3324864993" sldId="282"/>
+        </pc:sldMkLst>
+        <pc:spChg chg="del">
+          <ac:chgData name="김소희" userId="292a1162-0793-4577-a94d-2dae0dfa5995" providerId="ADAL" clId="{E9067F50-2CC8-4791-9D95-08591139FED5}" dt="2022-06-06T08:26:48.433" v="120" actId="478"/>
+          <ac:spMkLst>
+            <pc:docMk/>
+            <pc:sldMk cId="3324864993" sldId="282"/>
+            <ac:spMk id="11" creationId="{15D97C4F-AB7C-BD44-4BCB-E68DE0FF40AC}"/>
+          </ac:spMkLst>
+        </pc:spChg>
+        <pc:spChg chg="del">
+          <ac:chgData name="김소희" userId="292a1162-0793-4577-a94d-2dae0dfa5995" providerId="ADAL" clId="{E9067F50-2CC8-4791-9D95-08591139FED5}" dt="2022-06-06T08:26:46.067" v="119" actId="478"/>
+          <ac:spMkLst>
+            <pc:docMk/>
+            <pc:sldMk cId="3324864993" sldId="282"/>
+            <ac:spMk id="12" creationId="{9E274D2E-69E4-B260-35AB-9ADB2B9DA2E2}"/>
+          </ac:spMkLst>
+        </pc:spChg>
+      </pc:sldChg>
+      <pc:sldChg chg="addSp delSp modSp add mod ord">
+        <pc:chgData name="김소희" userId="292a1162-0793-4577-a94d-2dae0dfa5995" providerId="ADAL" clId="{E9067F50-2CC8-4791-9D95-08591139FED5}" dt="2022-06-06T08:29:40.698" v="149" actId="6549"/>
+        <pc:sldMkLst>
+          <pc:docMk/>
+          <pc:sldMk cId="130366447" sldId="283"/>
+        </pc:sldMkLst>
+        <pc:spChg chg="mod">
+          <ac:chgData name="김소희" userId="292a1162-0793-4577-a94d-2dae0dfa5995" providerId="ADAL" clId="{E9067F50-2CC8-4791-9D95-08591139FED5}" dt="2022-06-06T08:22:35.781" v="57" actId="1035"/>
+          <ac:spMkLst>
+            <pc:docMk/>
+            <pc:sldMk cId="130366447" sldId="283"/>
+            <ac:spMk id="4" creationId="{5E2F97AE-2941-00DB-053C-2FC53EA618EF}"/>
+          </ac:spMkLst>
+        </pc:spChg>
+        <pc:spChg chg="add del mod">
+          <ac:chgData name="김소희" userId="292a1162-0793-4577-a94d-2dae0dfa5995" providerId="ADAL" clId="{E9067F50-2CC8-4791-9D95-08591139FED5}" dt="2022-06-06T08:22:06.147" v="34" actId="478"/>
+          <ac:spMkLst>
+            <pc:docMk/>
+            <pc:sldMk cId="130366447" sldId="283"/>
+            <ac:spMk id="5" creationId="{2CEBCB22-D1C9-D4EF-741B-F9F5C2454889}"/>
+          </ac:spMkLst>
+        </pc:spChg>
+        <pc:spChg chg="mod">
+          <ac:chgData name="김소희" userId="292a1162-0793-4577-a94d-2dae0dfa5995" providerId="ADAL" clId="{E9067F50-2CC8-4791-9D95-08591139FED5}" dt="2022-06-06T08:29:40.698" v="149" actId="6549"/>
+          <ac:spMkLst>
+            <pc:docMk/>
+            <pc:sldMk cId="130366447" sldId="283"/>
+            <ac:spMk id="6" creationId="{96694782-0979-24D0-4D63-4DACB413C8D6}"/>
+          </ac:spMkLst>
+        </pc:spChg>
+      </pc:sldChg>
+    </pc:docChg>
+  </pc:docChgLst>
   <pc:docChgLst>
     <pc:chgData name="김소희" userId="292a1162-0793-4577-a94d-2dae0dfa5995" providerId="ADAL" clId="{11143BCC-B178-4414-B70F-34B1036F76C8}"/>
     <pc:docChg chg="undo custSel addSld delSld modSld">
@@ -362,7 +588,7 @@
           <a:p>
             <a:fld id="{0AC1EB60-3D7A-4589-8E12-D739B381C8F5}" type="datetimeFigureOut">
               <a:rPr lang="ko-KR" altLang="en-US" smtClean="0"/>
-              <a:t>2022-05-29</a:t>
+              <a:t>2022-06-06</a:t>
             </a:fld>
             <a:endParaRPr lang="ko-KR" altLang="en-US"/>
           </a:p>
@@ -1911,28 +2137,23 @@
           <a:bodyPr/>
           <a:lstStyle/>
           <a:p>
-            <a:pPr marL="0" marR="0" lvl="0" indent="0" algn="l" defTabSz="914400" rtl="0" eaLnBrk="1" fontAlgn="auto" latinLnBrk="1" hangingPunct="1">
-              <a:lnSpc>
-                <a:spcPct val="100000"/>
-              </a:lnSpc>
-              <a:spcBef>
-                <a:spcPts val="0"/>
-              </a:spcBef>
-              <a:spcAft>
-                <a:spcPts val="0"/>
-              </a:spcAft>
-              <a:buClrTx/>
-              <a:buSzTx/>
-              <a:buFontTx/>
-              <a:buNone/>
-              <a:tabLst/>
-              <a:defRPr/>
-            </a:pPr>
-            <a:endParaRPr lang="ko-KR" altLang="en-US" sz="1000" dirty="0">
-              <a:solidFill>
-                <a:schemeClr val="tx1"/>
-              </a:solidFill>
-            </a:endParaRPr>
+            <a:r>
+              <a:rPr lang="en-US" altLang="ko-KR" sz="1200" dirty="0">
+                <a:solidFill>
+                  <a:schemeClr val="tx1"/>
+                </a:solidFill>
+              </a:rPr>
+              <a:t>Differentiable : </a:t>
+            </a:r>
+            <a:r>
+              <a:rPr lang="ko-KR" altLang="en-US" sz="1200" dirty="0">
+                <a:solidFill>
+                  <a:schemeClr val="tx1"/>
+                </a:solidFill>
+              </a:rPr>
+              <a:t>미분가능한</a:t>
+            </a:r>
+            <a:endParaRPr lang="ko-KR" altLang="en-US" dirty="0"/>
           </a:p>
         </p:txBody>
       </p:sp>
@@ -1951,9 +2172,9 @@
           <a:bodyPr/>
           <a:lstStyle/>
           <a:p>
-            <a:fld id="{AD7C0D23-3854-4668-89D8-4E6E2F843EB5}" type="slidenum">
+            <a:fld id="{52486DED-3510-4133-8C1C-AE1D3AAE843F}" type="slidenum">
               <a:rPr lang="ko-KR" altLang="en-US" smtClean="0"/>
-              <a:t>5</a:t>
+              <a:t>6</a:t>
             </a:fld>
             <a:endParaRPr lang="ko-KR" altLang="en-US"/>
           </a:p>
@@ -1962,7 +2183,7 @@
     </p:spTree>
     <p:extLst>
       <p:ext uri="{BB962C8B-B14F-4D97-AF65-F5344CB8AC3E}">
-        <p14:creationId xmlns:p14="http://schemas.microsoft.com/office/powerpoint/2010/main" val="2178917541"/>
+        <p14:creationId xmlns:p14="http://schemas.microsoft.com/office/powerpoint/2010/main" val="37916394"/>
       </p:ext>
     </p:extLst>
   </p:cSld>
@@ -2119,7 +2340,7 @@
           <a:p>
             <a:fld id="{C142EF4D-3C10-43EB-9E18-A2053A14795D}" type="datetimeFigureOut">
               <a:rPr lang="ko-KR" altLang="en-US" smtClean="0"/>
-              <a:t>2022-05-29</a:t>
+              <a:t>2022-06-06</a:t>
             </a:fld>
             <a:endParaRPr lang="ko-KR" altLang="en-US"/>
           </a:p>
@@ -2317,7 +2538,7 @@
           <a:p>
             <a:fld id="{C142EF4D-3C10-43EB-9E18-A2053A14795D}" type="datetimeFigureOut">
               <a:rPr lang="ko-KR" altLang="en-US" smtClean="0"/>
-              <a:t>2022-05-29</a:t>
+              <a:t>2022-06-06</a:t>
             </a:fld>
             <a:endParaRPr lang="ko-KR" altLang="en-US"/>
           </a:p>
@@ -2525,7 +2746,7 @@
           <a:p>
             <a:fld id="{C142EF4D-3C10-43EB-9E18-A2053A14795D}" type="datetimeFigureOut">
               <a:rPr lang="ko-KR" altLang="en-US" smtClean="0"/>
-              <a:t>2022-05-29</a:t>
+              <a:t>2022-06-06</a:t>
             </a:fld>
             <a:endParaRPr lang="ko-KR" altLang="en-US"/>
           </a:p>
@@ -2723,7 +2944,7 @@
           <a:p>
             <a:fld id="{C142EF4D-3C10-43EB-9E18-A2053A14795D}" type="datetimeFigureOut">
               <a:rPr lang="ko-KR" altLang="en-US" smtClean="0"/>
-              <a:t>2022-05-29</a:t>
+              <a:t>2022-06-06</a:t>
             </a:fld>
             <a:endParaRPr lang="ko-KR" altLang="en-US"/>
           </a:p>
@@ -2998,7 +3219,7 @@
           <a:p>
             <a:fld id="{C142EF4D-3C10-43EB-9E18-A2053A14795D}" type="datetimeFigureOut">
               <a:rPr lang="ko-KR" altLang="en-US" smtClean="0"/>
-              <a:t>2022-05-29</a:t>
+              <a:t>2022-06-06</a:t>
             </a:fld>
             <a:endParaRPr lang="ko-KR" altLang="en-US"/>
           </a:p>
@@ -3263,7 +3484,7 @@
           <a:p>
             <a:fld id="{C142EF4D-3C10-43EB-9E18-A2053A14795D}" type="datetimeFigureOut">
               <a:rPr lang="ko-KR" altLang="en-US" smtClean="0"/>
-              <a:t>2022-05-29</a:t>
+              <a:t>2022-06-06</a:t>
             </a:fld>
             <a:endParaRPr lang="ko-KR" altLang="en-US"/>
           </a:p>
@@ -3675,7 +3896,7 @@
           <a:p>
             <a:fld id="{C142EF4D-3C10-43EB-9E18-A2053A14795D}" type="datetimeFigureOut">
               <a:rPr lang="ko-KR" altLang="en-US" smtClean="0"/>
-              <a:t>2022-05-29</a:t>
+              <a:t>2022-06-06</a:t>
             </a:fld>
             <a:endParaRPr lang="ko-KR" altLang="en-US"/>
           </a:p>
@@ -3816,7 +4037,7 @@
           <a:p>
             <a:fld id="{C142EF4D-3C10-43EB-9E18-A2053A14795D}" type="datetimeFigureOut">
               <a:rPr lang="ko-KR" altLang="en-US" smtClean="0"/>
-              <a:t>2022-05-29</a:t>
+              <a:t>2022-06-06</a:t>
             </a:fld>
             <a:endParaRPr lang="ko-KR" altLang="en-US"/>
           </a:p>
@@ -3929,7 +4150,7 @@
           <a:p>
             <a:fld id="{C142EF4D-3C10-43EB-9E18-A2053A14795D}" type="datetimeFigureOut">
               <a:rPr lang="ko-KR" altLang="en-US" smtClean="0"/>
-              <a:t>2022-05-29</a:t>
+              <a:t>2022-06-06</a:t>
             </a:fld>
             <a:endParaRPr lang="ko-KR" altLang="en-US"/>
           </a:p>
@@ -4240,7 +4461,7 @@
           <a:p>
             <a:fld id="{C142EF4D-3C10-43EB-9E18-A2053A14795D}" type="datetimeFigureOut">
               <a:rPr lang="ko-KR" altLang="en-US" smtClean="0"/>
-              <a:t>2022-05-29</a:t>
+              <a:t>2022-06-06</a:t>
             </a:fld>
             <a:endParaRPr lang="ko-KR" altLang="en-US"/>
           </a:p>
@@ -4528,7 +4749,7 @@
           <a:p>
             <a:fld id="{C142EF4D-3C10-43EB-9E18-A2053A14795D}" type="datetimeFigureOut">
               <a:rPr lang="ko-KR" altLang="en-US" smtClean="0"/>
-              <a:t>2022-05-29</a:t>
+              <a:t>2022-06-06</a:t>
             </a:fld>
             <a:endParaRPr lang="ko-KR" altLang="en-US"/>
           </a:p>
@@ -4774,7 +4995,7 @@
           <a:p>
             <a:fld id="{C142EF4D-3C10-43EB-9E18-A2053A14795D}" type="datetimeFigureOut">
               <a:rPr lang="ko-KR" altLang="en-US" smtClean="0"/>
-              <a:t>2022-05-29</a:t>
+              <a:t>2022-06-06</a:t>
             </a:fld>
             <a:endParaRPr lang="ko-KR" altLang="en-US"/>
           </a:p>
@@ -5254,7 +5475,7 @@
         </p:nvSpPr>
         <p:spPr>
           <a:xfrm>
-            <a:off x="4347409" y="3730449"/>
+            <a:off x="4347411" y="5063578"/>
             <a:ext cx="3497178" cy="408623"/>
           </a:xfrm>
           <a:prstGeom prst="roundRect">
@@ -5406,7 +5627,7 @@
         </p:nvSpPr>
         <p:spPr>
           <a:xfrm>
-            <a:off x="0" y="6273225"/>
+            <a:off x="106680" y="6946752"/>
             <a:ext cx="11524129" cy="584775"/>
           </a:xfrm>
           <a:prstGeom prst="rect">
@@ -5522,6 +5743,348 @@
               <a:solidFill>
                 <a:schemeClr val="bg2">
                   <a:lumMod val="50000"/>
+                </a:schemeClr>
+              </a:solidFill>
+            </a:endParaRPr>
+          </a:p>
+        </p:txBody>
+      </p:sp>
+      <p:sp>
+        <p:nvSpPr>
+          <p:cNvPr id="8" name="TextBox 7">
+            <a:extLst>
+              <a:ext uri="{FF2B5EF4-FFF2-40B4-BE49-F238E27FC236}">
+                <a16:creationId xmlns:a16="http://schemas.microsoft.com/office/drawing/2014/main" id="{04467E98-CB13-CFF4-194D-C491AB4A92F1}"/>
+              </a:ext>
+            </a:extLst>
+          </p:cNvPr>
+          <p:cNvSpPr txBox="1"/>
+          <p:nvPr/>
+        </p:nvSpPr>
+        <p:spPr>
+          <a:xfrm>
+            <a:off x="919784" y="4273279"/>
+            <a:ext cx="10352423" cy="584775"/>
+          </a:xfrm>
+          <a:prstGeom prst="rect">
+            <a:avLst/>
+          </a:prstGeom>
+          <a:noFill/>
+        </p:spPr>
+        <p:txBody>
+          <a:bodyPr wrap="square">
+            <a:spAutoFit/>
+          </a:bodyPr>
+          <a:lstStyle/>
+          <a:p>
+            <a:pPr marL="285750" indent="-285750">
+              <a:buFont typeface="Wingdings" panose="05000000000000000000" pitchFamily="2" charset="2"/>
+              <a:buChar char="u"/>
+            </a:pPr>
+            <a:r>
+              <a:rPr lang="en-US" altLang="ko-KR" sz="1600" b="1" dirty="0">
+                <a:solidFill>
+                  <a:schemeClr val="tx1">
+                    <a:lumMod val="65000"/>
+                    <a:lumOff val="35000"/>
+                  </a:schemeClr>
+                </a:solidFill>
+              </a:rPr>
+              <a:t>A hybrid model approach for forecasting future residential electricity consumption. </a:t>
+            </a:r>
+            <a:r>
+              <a:rPr lang="en-US" altLang="ko-KR" sz="1600" dirty="0">
+                <a:solidFill>
+                  <a:schemeClr val="tx1">
+                    <a:lumMod val="65000"/>
+                    <a:lumOff val="35000"/>
+                  </a:schemeClr>
+                </a:solidFill>
+              </a:rPr>
+              <a:t>Energy Build 2016;117:341–51. </a:t>
+            </a:r>
+          </a:p>
+        </p:txBody>
+      </p:sp>
+      <p:sp>
+        <p:nvSpPr>
+          <p:cNvPr id="9" name="TextBox 8">
+            <a:extLst>
+              <a:ext uri="{FF2B5EF4-FFF2-40B4-BE49-F238E27FC236}">
+                <a16:creationId xmlns:a16="http://schemas.microsoft.com/office/drawing/2014/main" id="{EF3A5E0F-0285-EF60-B5BF-B4948F2ADDA3}"/>
+              </a:ext>
+            </a:extLst>
+          </p:cNvPr>
+          <p:cNvSpPr txBox="1"/>
+          <p:nvPr/>
+        </p:nvSpPr>
+        <p:spPr>
+          <a:xfrm>
+            <a:off x="919785" y="3561627"/>
+            <a:ext cx="10352423" cy="584775"/>
+          </a:xfrm>
+          <a:prstGeom prst="rect">
+            <a:avLst/>
+          </a:prstGeom>
+          <a:noFill/>
+        </p:spPr>
+        <p:txBody>
+          <a:bodyPr wrap="square">
+            <a:spAutoFit/>
+          </a:bodyPr>
+          <a:lstStyle/>
+          <a:p>
+            <a:pPr marL="285750" indent="-285750">
+              <a:buFont typeface="Wingdings" panose="05000000000000000000" pitchFamily="2" charset="2"/>
+              <a:buChar char="u"/>
+            </a:pPr>
+            <a:r>
+              <a:rPr lang="ko-KR" altLang="en-US" sz="1600" b="1" dirty="0" err="1">
+                <a:solidFill>
+                  <a:schemeClr val="tx1">
+                    <a:lumMod val="65000"/>
+                    <a:lumOff val="35000"/>
+                  </a:schemeClr>
+                </a:solidFill>
+              </a:rPr>
+              <a:t>Artificial</a:t>
+            </a:r>
+            <a:r>
+              <a:rPr lang="ko-KR" altLang="en-US" sz="1600" b="1" dirty="0">
+                <a:solidFill>
+                  <a:schemeClr val="tx1">
+                    <a:lumMod val="65000"/>
+                    <a:lumOff val="35000"/>
+                  </a:schemeClr>
+                </a:solidFill>
+              </a:rPr>
+              <a:t> </a:t>
+            </a:r>
+            <a:r>
+              <a:rPr lang="ko-KR" altLang="en-US" sz="1600" b="1" dirty="0" err="1">
+                <a:solidFill>
+                  <a:schemeClr val="tx1">
+                    <a:lumMod val="65000"/>
+                    <a:lumOff val="35000"/>
+                  </a:schemeClr>
+                </a:solidFill>
+              </a:rPr>
+              <a:t>neural</a:t>
+            </a:r>
+            <a:r>
+              <a:rPr lang="ko-KR" altLang="en-US" sz="1600" b="1" dirty="0">
+                <a:solidFill>
+                  <a:schemeClr val="tx1">
+                    <a:lumMod val="65000"/>
+                    <a:lumOff val="35000"/>
+                  </a:schemeClr>
+                </a:solidFill>
+              </a:rPr>
+              <a:t> </a:t>
+            </a:r>
+            <a:r>
+              <a:rPr lang="ko-KR" altLang="en-US" sz="1600" b="1" dirty="0" err="1">
+                <a:solidFill>
+                  <a:schemeClr val="tx1">
+                    <a:lumMod val="65000"/>
+                    <a:lumOff val="35000"/>
+                  </a:schemeClr>
+                </a:solidFill>
+              </a:rPr>
+              <a:t>network</a:t>
+            </a:r>
+            <a:r>
+              <a:rPr lang="ko-KR" altLang="en-US" sz="1600" b="1" dirty="0">
+                <a:solidFill>
+                  <a:schemeClr val="tx1">
+                    <a:lumMod val="65000"/>
+                    <a:lumOff val="35000"/>
+                  </a:schemeClr>
+                </a:solidFill>
+              </a:rPr>
+              <a:t> </a:t>
+            </a:r>
+            <a:r>
+              <a:rPr lang="ko-KR" altLang="en-US" sz="1600" b="1" dirty="0" err="1">
+                <a:solidFill>
+                  <a:schemeClr val="tx1">
+                    <a:lumMod val="65000"/>
+                    <a:lumOff val="35000"/>
+                  </a:schemeClr>
+                </a:solidFill>
+              </a:rPr>
+              <a:t>model</a:t>
+            </a:r>
+            <a:r>
+              <a:rPr lang="ko-KR" altLang="en-US" sz="1600" b="1" dirty="0">
+                <a:solidFill>
+                  <a:schemeClr val="tx1">
+                    <a:lumMod val="65000"/>
+                    <a:lumOff val="35000"/>
+                  </a:schemeClr>
+                </a:solidFill>
+              </a:rPr>
+              <a:t> </a:t>
+            </a:r>
+            <a:r>
+              <a:rPr lang="ko-KR" altLang="en-US" sz="1600" b="1" dirty="0" err="1">
+                <a:solidFill>
+                  <a:schemeClr val="tx1">
+                    <a:lumMod val="65000"/>
+                    <a:lumOff val="35000"/>
+                  </a:schemeClr>
+                </a:solidFill>
+              </a:rPr>
+              <a:t>for</a:t>
+            </a:r>
+            <a:r>
+              <a:rPr lang="ko-KR" altLang="en-US" sz="1600" b="1" dirty="0">
+                <a:solidFill>
+                  <a:schemeClr val="tx1">
+                    <a:lumMod val="65000"/>
+                    <a:lumOff val="35000"/>
+                  </a:schemeClr>
+                </a:solidFill>
+              </a:rPr>
+              <a:t> </a:t>
+            </a:r>
+            <a:r>
+              <a:rPr lang="ko-KR" altLang="en-US" sz="1600" b="1" dirty="0" err="1">
+                <a:solidFill>
+                  <a:schemeClr val="tx1">
+                    <a:lumMod val="65000"/>
+                    <a:lumOff val="35000"/>
+                  </a:schemeClr>
+                </a:solidFill>
+              </a:rPr>
+              <a:t>forecasting</a:t>
+            </a:r>
+            <a:r>
+              <a:rPr lang="ko-KR" altLang="en-US" sz="1600" b="1" dirty="0">
+                <a:solidFill>
+                  <a:schemeClr val="tx1">
+                    <a:lumMod val="65000"/>
+                    <a:lumOff val="35000"/>
+                  </a:schemeClr>
+                </a:solidFill>
+              </a:rPr>
+              <a:t> </a:t>
+            </a:r>
+            <a:r>
+              <a:rPr lang="ko-KR" altLang="en-US" sz="1600" b="1" dirty="0" err="1">
+                <a:solidFill>
+                  <a:schemeClr val="tx1">
+                    <a:lumMod val="65000"/>
+                    <a:lumOff val="35000"/>
+                  </a:schemeClr>
+                </a:solidFill>
+              </a:rPr>
+              <a:t>sub-hourly</a:t>
+            </a:r>
+            <a:r>
+              <a:rPr lang="ko-KR" altLang="en-US" sz="1600" b="1" dirty="0">
+                <a:solidFill>
+                  <a:schemeClr val="tx1">
+                    <a:lumMod val="65000"/>
+                    <a:lumOff val="35000"/>
+                  </a:schemeClr>
+                </a:solidFill>
+              </a:rPr>
+              <a:t> </a:t>
+            </a:r>
+            <a:r>
+              <a:rPr lang="ko-KR" altLang="en-US" sz="1600" b="1" dirty="0" err="1">
+                <a:solidFill>
+                  <a:schemeClr val="tx1">
+                    <a:lumMod val="65000"/>
+                    <a:lumOff val="35000"/>
+                  </a:schemeClr>
+                </a:solidFill>
+              </a:rPr>
+              <a:t>electricity</a:t>
+            </a:r>
+            <a:r>
+              <a:rPr lang="ko-KR" altLang="en-US" sz="1600" b="1" dirty="0">
+                <a:solidFill>
+                  <a:schemeClr val="tx1">
+                    <a:lumMod val="65000"/>
+                    <a:lumOff val="35000"/>
+                  </a:schemeClr>
+                </a:solidFill>
+              </a:rPr>
+              <a:t> </a:t>
+            </a:r>
+            <a:r>
+              <a:rPr lang="ko-KR" altLang="en-US" sz="1600" b="1" dirty="0" err="1">
+                <a:solidFill>
+                  <a:schemeClr val="tx1">
+                    <a:lumMod val="65000"/>
+                    <a:lumOff val="35000"/>
+                  </a:schemeClr>
+                </a:solidFill>
+              </a:rPr>
+              <a:t>usage</a:t>
+            </a:r>
+            <a:r>
+              <a:rPr lang="ko-KR" altLang="en-US" sz="1600" b="1" dirty="0">
+                <a:solidFill>
+                  <a:schemeClr val="tx1">
+                    <a:lumMod val="65000"/>
+                    <a:lumOff val="35000"/>
+                  </a:schemeClr>
+                </a:solidFill>
+              </a:rPr>
+              <a:t> </a:t>
+            </a:r>
+            <a:r>
+              <a:rPr lang="ko-KR" altLang="en-US" sz="1600" b="1" dirty="0" err="1">
+                <a:solidFill>
+                  <a:schemeClr val="tx1">
+                    <a:lumMod val="65000"/>
+                    <a:lumOff val="35000"/>
+                  </a:schemeClr>
+                </a:solidFill>
+              </a:rPr>
+              <a:t>in</a:t>
+            </a:r>
+            <a:r>
+              <a:rPr lang="ko-KR" altLang="en-US" sz="1600" b="1" dirty="0">
+                <a:solidFill>
+                  <a:schemeClr val="tx1">
+                    <a:lumMod val="65000"/>
+                    <a:lumOff val="35000"/>
+                  </a:schemeClr>
+                </a:solidFill>
+              </a:rPr>
+              <a:t> Commercial </a:t>
+            </a:r>
+            <a:r>
+              <a:rPr lang="ko-KR" altLang="en-US" sz="1600" b="1" dirty="0" err="1">
+                <a:solidFill>
+                  <a:schemeClr val="tx1">
+                    <a:lumMod val="65000"/>
+                    <a:lumOff val="35000"/>
+                  </a:schemeClr>
+                </a:solidFill>
+              </a:rPr>
+              <a:t>buildings</a:t>
+            </a:r>
+            <a:r>
+              <a:rPr lang="ko-KR" altLang="en-US" sz="1600" dirty="0">
+                <a:solidFill>
+                  <a:schemeClr val="tx1">
+                    <a:lumMod val="65000"/>
+                    <a:lumOff val="35000"/>
+                  </a:schemeClr>
+                </a:solidFill>
+              </a:rPr>
+              <a:t>. Energy Build2016;111:184–94. </a:t>
+            </a:r>
+            <a:endParaRPr lang="en-US" altLang="ko-KR" sz="1600" dirty="0">
+              <a:solidFill>
+                <a:schemeClr val="tx1">
+                  <a:lumMod val="65000"/>
+                  <a:lumOff val="35000"/>
                 </a:schemeClr>
               </a:solidFill>
             </a:endParaRPr>
@@ -6305,6 +6868,55 @@
             <a:endParaRPr lang="ko-KR" altLang="en-US" sz="1600" dirty="0">
               <a:solidFill>
                 <a:schemeClr val="bg1">
+                  <a:lumMod val="50000"/>
+                </a:schemeClr>
+              </a:solidFill>
+            </a:endParaRPr>
+          </a:p>
+        </p:txBody>
+      </p:sp>
+      <p:sp>
+        <p:nvSpPr>
+          <p:cNvPr id="13" name="TextBox 12">
+            <a:extLst>
+              <a:ext uri="{FF2B5EF4-FFF2-40B4-BE49-F238E27FC236}">
+                <a16:creationId xmlns:a16="http://schemas.microsoft.com/office/drawing/2014/main" id="{FC72D5E7-4949-1CBB-14CD-8AB8843F6123}"/>
+              </a:ext>
+            </a:extLst>
+          </p:cNvPr>
+          <p:cNvSpPr txBox="1"/>
+          <p:nvPr/>
+        </p:nvSpPr>
+        <p:spPr>
+          <a:xfrm>
+            <a:off x="11320671" y="0"/>
+            <a:ext cx="871330" cy="369332"/>
+          </a:xfrm>
+          <a:prstGeom prst="rect">
+            <a:avLst/>
+          </a:prstGeom>
+          <a:noFill/>
+        </p:spPr>
+        <p:txBody>
+          <a:bodyPr wrap="square" rtlCol="0">
+            <a:spAutoFit/>
+          </a:bodyPr>
+          <a:lstStyle/>
+          <a:p>
+            <a:pPr algn="r"/>
+            <a:r>
+              <a:rPr lang="en-US" altLang="ko-KR" dirty="0">
+                <a:solidFill>
+                  <a:schemeClr val="bg2">
+                    <a:lumMod val="50000"/>
+                  </a:schemeClr>
+                </a:solidFill>
+              </a:rPr>
+              <a:t>1/30</a:t>
+            </a:r>
+            <a:endParaRPr lang="ko-KR" altLang="en-US" dirty="0">
+              <a:solidFill>
+                <a:schemeClr val="bg2">
                   <a:lumMod val="50000"/>
                 </a:schemeClr>
               </a:solidFill>
@@ -6790,7 +7402,7 @@
             </a:avLst>
           </a:prstGeom>
           <a:solidFill>
-            <a:srgbClr val="E2F0D9">
+            <a:srgbClr val="FFF2CC">
               <a:alpha val="50196"/>
             </a:srgbClr>
           </a:solidFill>
@@ -7460,12 +8072,246 @@
           <a:chExt cx="0" cy="0"/>
         </a:xfrm>
       </p:grpSpPr>
+      <p:sp>
+        <p:nvSpPr>
+          <p:cNvPr id="6" name="제목 1">
+            <a:extLst>
+              <a:ext uri="{FF2B5EF4-FFF2-40B4-BE49-F238E27FC236}">
+                <a16:creationId xmlns:a16="http://schemas.microsoft.com/office/drawing/2014/main" id="{96694782-0979-24D0-4D63-4DACB413C8D6}"/>
+              </a:ext>
+            </a:extLst>
+          </p:cNvPr>
+          <p:cNvSpPr>
+            <a:spLocks noGrp="1"/>
+          </p:cNvSpPr>
+          <p:nvPr>
+            <p:ph type="ctrTitle"/>
+          </p:nvPr>
+        </p:nvSpPr>
+        <p:spPr>
+          <a:xfrm>
+            <a:off x="2114549" y="2535544"/>
+            <a:ext cx="7962901" cy="1585466"/>
+          </a:xfrm>
+          <a:ln w="38100">
+            <a:solidFill>
+              <a:srgbClr val="A9D18E">
+                <a:alpha val="60000"/>
+              </a:srgbClr>
+            </a:solidFill>
+          </a:ln>
+        </p:spPr>
+        <p:txBody>
+          <a:bodyPr anchor="ctr">
+            <a:normAutofit/>
+          </a:bodyPr>
+          <a:lstStyle/>
+          <a:p>
+            <a:pPr>
+              <a:lnSpc>
+                <a:spcPct val="100000"/>
+              </a:lnSpc>
+            </a:pPr>
+            <a:r>
+              <a:rPr lang="en-US" altLang="ko-KR" sz="2800" b="1" dirty="0">
+                <a:latin typeface="Microsoft GothicNeo" panose="020B0500000101010101" pitchFamily="50" charset="-127"/>
+                <a:ea typeface="Microsoft GothicNeo" panose="020B0500000101010101" pitchFamily="50" charset="-127"/>
+                <a:cs typeface="Microsoft GothicNeo" panose="020B0500000101010101" pitchFamily="50" charset="-127"/>
+              </a:rPr>
+              <a:t>Artificial neural network model for</a:t>
+            </a:r>
+            <a:br>
+              <a:rPr lang="en-US" altLang="ko-KR" sz="2800" b="1" dirty="0">
+                <a:latin typeface="Microsoft GothicNeo" panose="020B0500000101010101" pitchFamily="50" charset="-127"/>
+                <a:ea typeface="Microsoft GothicNeo" panose="020B0500000101010101" pitchFamily="50" charset="-127"/>
+                <a:cs typeface="Microsoft GothicNeo" panose="020B0500000101010101" pitchFamily="50" charset="-127"/>
+              </a:rPr>
+            </a:br>
+            <a:r>
+              <a:rPr lang="en-US" altLang="ko-KR" sz="2800" b="1" dirty="0">
+                <a:latin typeface="Microsoft GothicNeo" panose="020B0500000101010101" pitchFamily="50" charset="-127"/>
+                <a:ea typeface="Microsoft GothicNeo" panose="020B0500000101010101" pitchFamily="50" charset="-127"/>
+                <a:cs typeface="Microsoft GothicNeo" panose="020B0500000101010101" pitchFamily="50" charset="-127"/>
+              </a:rPr>
+              <a:t>forecasting sub-hourly electricity usage </a:t>
+            </a:r>
+            <a:br>
+              <a:rPr lang="en-US" altLang="ko-KR" sz="2800" b="1" dirty="0">
+                <a:latin typeface="Microsoft GothicNeo" panose="020B0500000101010101" pitchFamily="50" charset="-127"/>
+                <a:ea typeface="Microsoft GothicNeo" panose="020B0500000101010101" pitchFamily="50" charset="-127"/>
+                <a:cs typeface="Microsoft GothicNeo" panose="020B0500000101010101" pitchFamily="50" charset="-127"/>
+              </a:rPr>
+            </a:br>
+            <a:r>
+              <a:rPr lang="en-US" altLang="ko-KR" sz="2800" b="1" dirty="0">
+                <a:latin typeface="Microsoft GothicNeo" panose="020B0500000101010101" pitchFamily="50" charset="-127"/>
+                <a:ea typeface="Microsoft GothicNeo" panose="020B0500000101010101" pitchFamily="50" charset="-127"/>
+                <a:cs typeface="Microsoft GothicNeo" panose="020B0500000101010101" pitchFamily="50" charset="-127"/>
+              </a:rPr>
+              <a:t>in Commercial buildings.</a:t>
+            </a:r>
+          </a:p>
+        </p:txBody>
+      </p:sp>
+      <p:sp>
+        <p:nvSpPr>
+          <p:cNvPr id="4" name="TextBox 3">
+            <a:extLst>
+              <a:ext uri="{FF2B5EF4-FFF2-40B4-BE49-F238E27FC236}">
+                <a16:creationId xmlns:a16="http://schemas.microsoft.com/office/drawing/2014/main" id="{5E2F97AE-2941-00DB-053C-2FC53EA618EF}"/>
+              </a:ext>
+            </a:extLst>
+          </p:cNvPr>
+          <p:cNvSpPr txBox="1"/>
+          <p:nvPr/>
+        </p:nvSpPr>
+        <p:spPr>
+          <a:xfrm>
+            <a:off x="3832562" y="4302701"/>
+            <a:ext cx="4526874" cy="646331"/>
+          </a:xfrm>
+          <a:prstGeom prst="rect">
+            <a:avLst/>
+          </a:prstGeom>
+          <a:noFill/>
+        </p:spPr>
+        <p:txBody>
+          <a:bodyPr wrap="square">
+            <a:spAutoFit/>
+          </a:bodyPr>
+          <a:lstStyle/>
+          <a:p>
+            <a:pPr algn="ctr"/>
+            <a:r>
+              <a:rPr lang="en-US" altLang="ko-KR" b="0" i="0" dirty="0">
+                <a:solidFill>
+                  <a:schemeClr val="bg1">
+                    <a:lumMod val="50000"/>
+                  </a:schemeClr>
+                </a:solidFill>
+                <a:effectLst/>
+                <a:latin typeface="Arial" panose="020B0604020202020204" pitchFamily="34" charset="0"/>
+              </a:rPr>
+              <a:t>Chae YT, </a:t>
+            </a:r>
+            <a:r>
+              <a:rPr lang="en-US" altLang="ko-KR" b="0" i="0" dirty="0" err="1">
+                <a:solidFill>
+                  <a:schemeClr val="bg1">
+                    <a:lumMod val="50000"/>
+                  </a:schemeClr>
+                </a:solidFill>
+                <a:effectLst/>
+                <a:latin typeface="Arial" panose="020B0604020202020204" pitchFamily="34" charset="0"/>
+              </a:rPr>
+              <a:t>Horesh</a:t>
+            </a:r>
+            <a:r>
+              <a:rPr lang="en-US" altLang="ko-KR" b="0" i="0" dirty="0">
+                <a:solidFill>
+                  <a:schemeClr val="bg1">
+                    <a:lumMod val="50000"/>
+                  </a:schemeClr>
+                </a:solidFill>
+                <a:effectLst/>
+                <a:latin typeface="Arial" panose="020B0604020202020204" pitchFamily="34" charset="0"/>
+              </a:rPr>
+              <a:t> R, Hwang Y, Lee YM. </a:t>
+            </a:r>
+          </a:p>
+          <a:p>
+            <a:pPr algn="ctr"/>
+            <a:r>
+              <a:rPr lang="ko-KR" altLang="en-US" dirty="0">
+                <a:solidFill>
+                  <a:schemeClr val="tx1">
+                    <a:lumMod val="65000"/>
+                    <a:lumOff val="35000"/>
+                  </a:schemeClr>
+                </a:solidFill>
+              </a:rPr>
+              <a:t>Energy </a:t>
+            </a:r>
+            <a:r>
+              <a:rPr lang="ko-KR" altLang="en-US" dirty="0" err="1">
+                <a:solidFill>
+                  <a:schemeClr val="tx1">
+                    <a:lumMod val="65000"/>
+                    <a:lumOff val="35000"/>
+                  </a:schemeClr>
+                </a:solidFill>
+              </a:rPr>
+              <a:t>Build</a:t>
+            </a:r>
+            <a:r>
+              <a:rPr lang="ko-KR" altLang="en-US" dirty="0">
+                <a:solidFill>
+                  <a:schemeClr val="tx1">
+                    <a:lumMod val="65000"/>
+                    <a:lumOff val="35000"/>
+                  </a:schemeClr>
+                </a:solidFill>
+              </a:rPr>
+              <a:t> 2016;111:184–94</a:t>
+            </a:r>
+            <a:r>
+              <a:rPr lang="en-US" altLang="ko-KR" b="0" i="0" dirty="0">
+                <a:solidFill>
+                  <a:schemeClr val="bg1">
+                    <a:lumMod val="50000"/>
+                  </a:schemeClr>
+                </a:solidFill>
+                <a:effectLst/>
+                <a:latin typeface="Arial" panose="020B0604020202020204" pitchFamily="34" charset="0"/>
+              </a:rPr>
+              <a:t>.</a:t>
+            </a:r>
+            <a:endParaRPr lang="ko-KR" altLang="en-US" dirty="0">
+              <a:solidFill>
+                <a:schemeClr val="bg1">
+                  <a:lumMod val="50000"/>
+                </a:schemeClr>
+              </a:solidFill>
+            </a:endParaRPr>
+          </a:p>
+        </p:txBody>
+      </p:sp>
+    </p:spTree>
+    <p:extLst>
+      <p:ext uri="{BB962C8B-B14F-4D97-AF65-F5344CB8AC3E}">
+        <p14:creationId xmlns:p14="http://schemas.microsoft.com/office/powerpoint/2010/main" val="130366447"/>
+      </p:ext>
+    </p:extLst>
+  </p:cSld>
+  <p:clrMapOvr>
+    <a:masterClrMapping/>
+  </p:clrMapOvr>
+</p:sld>
+</file>
+
+<file path=ppt/slides/slide6.xml><?xml version="1.0" encoding="utf-8"?>
+<p:sld xmlns:a="http://schemas.openxmlformats.org/drawingml/2006/main" xmlns:r="http://schemas.openxmlformats.org/officeDocument/2006/relationships" xmlns:p="http://schemas.openxmlformats.org/presentationml/2006/main">
+  <p:cSld>
+    <p:spTree>
+      <p:nvGrpSpPr>
+        <p:cNvPr id="1" name=""/>
+        <p:cNvGrpSpPr/>
+        <p:nvPr/>
+      </p:nvGrpSpPr>
+      <p:grpSpPr>
+        <a:xfrm>
+          <a:off x="0" y="0"/>
+          <a:ext cx="0" cy="0"/>
+          <a:chOff x="0" y="0"/>
+          <a:chExt cx="0" cy="0"/>
+        </a:xfrm>
+      </p:grpSpPr>
       <p:cxnSp>
         <p:nvCxnSpPr>
-          <p:cNvPr id="14" name="직선 연결선 13">
-            <a:extLst>
-              <a:ext uri="{FF2B5EF4-FFF2-40B4-BE49-F238E27FC236}">
-                <a16:creationId xmlns:a16="http://schemas.microsoft.com/office/drawing/2014/main" id="{03F592B8-8884-480D-8298-F2B88AA4644C}"/>
+          <p:cNvPr id="3" name="직선 연결선 2">
+            <a:extLst>
+              <a:ext uri="{FF2B5EF4-FFF2-40B4-BE49-F238E27FC236}">
+                <a16:creationId xmlns:a16="http://schemas.microsoft.com/office/drawing/2014/main" id="{DF13A569-CA4A-F583-26A7-EBE49AA065B2}"/>
               </a:ext>
             </a:extLst>
           </p:cNvPr>
@@ -7508,10 +8354,62 @@
       </p:cxnSp>
       <p:sp>
         <p:nvSpPr>
-          <p:cNvPr id="6" name="TextBox 5">
-            <a:extLst>
-              <a:ext uri="{FF2B5EF4-FFF2-40B4-BE49-F238E27FC236}">
-                <a16:creationId xmlns:a16="http://schemas.microsoft.com/office/drawing/2014/main" id="{5A6776E4-9D30-47C4-BEF4-B57DC901EAA5}"/>
+          <p:cNvPr id="9" name="제목 1">
+            <a:extLst>
+              <a:ext uri="{FF2B5EF4-FFF2-40B4-BE49-F238E27FC236}">
+                <a16:creationId xmlns:a16="http://schemas.microsoft.com/office/drawing/2014/main" id="{05596BCF-D308-A29D-49E5-1678F5F8F27E}"/>
+              </a:ext>
+            </a:extLst>
+          </p:cNvPr>
+          <p:cNvSpPr>
+            <a:spLocks noGrp="1"/>
+          </p:cNvSpPr>
+          <p:nvPr>
+            <p:ph type="title"/>
+          </p:nvPr>
+        </p:nvSpPr>
+        <p:spPr>
+          <a:xfrm>
+            <a:off x="-14748" y="0"/>
+            <a:ext cx="11056703" cy="566230"/>
+          </a:xfrm>
+        </p:spPr>
+        <p:txBody>
+          <a:bodyPr>
+            <a:noAutofit/>
+          </a:bodyPr>
+          <a:lstStyle/>
+          <a:p>
+            <a:pPr marL="285750" indent="-285750">
+              <a:buFont typeface="Wingdings" panose="05000000000000000000" pitchFamily="2" charset="2"/>
+              <a:buChar char="v"/>
+            </a:pPr>
+            <a:r>
+              <a:rPr lang="en-US" altLang="ko-KR" sz="1800" dirty="0">
+                <a:solidFill>
+                  <a:schemeClr val="bg1">
+                    <a:lumMod val="50000"/>
+                  </a:schemeClr>
+                </a:solidFill>
+              </a:rPr>
+              <a:t>Artificial neural network model for forecasting sub-hourly electricity usage in Commercial buildings.</a:t>
+            </a:r>
+            <a:endParaRPr lang="ko-KR" altLang="en-US" sz="1800" dirty="0">
+              <a:solidFill>
+                <a:schemeClr val="bg1">
+                  <a:lumMod val="50000"/>
+                </a:schemeClr>
+              </a:solidFill>
+            </a:endParaRPr>
+          </a:p>
+        </p:txBody>
+      </p:sp>
+      <p:sp>
+        <p:nvSpPr>
+          <p:cNvPr id="11" name="TextBox 10">
+            <a:extLst>
+              <a:ext uri="{FF2B5EF4-FFF2-40B4-BE49-F238E27FC236}">
+                <a16:creationId xmlns:a16="http://schemas.microsoft.com/office/drawing/2014/main" id="{9B6A7BE8-DA0E-E598-1132-9B432BA49502}"/>
               </a:ext>
             </a:extLst>
           </p:cNvPr>
@@ -7520,13 +8418,18 @@
         </p:nvSpPr>
         <p:spPr>
           <a:xfrm>
-            <a:off x="11596254" y="6434667"/>
-            <a:ext cx="516724" cy="369332"/>
+            <a:off x="567646" y="528649"/>
+            <a:ext cx="5351911" cy="658375"/>
           </a:xfrm>
-          <a:prstGeom prst="rect">
-            <a:avLst/>
+          <a:prstGeom prst="roundRect">
+            <a:avLst>
+              <a:gd name="adj" fmla="val 0"/>
+            </a:avLst>
           </a:prstGeom>
           <a:noFill/>
+          <a:ln w="44450" cap="rnd">
+            <a:noFill/>
+          </a:ln>
         </p:spPr>
         <p:txBody>
           <a:bodyPr wrap="square" rtlCol="0">
@@ -7534,567 +8437,136 @@
           </a:bodyPr>
           <a:lstStyle/>
           <a:p>
-            <a:r>
-              <a:rPr lang="en-US" altLang="ko-KR" dirty="0"/>
-              <a:t>-5-</a:t>
-            </a:r>
-            <a:endParaRPr lang="ko-KR" altLang="en-US" dirty="0"/>
-          </a:p>
-        </p:txBody>
-      </p:sp>
-      <p:sp>
-        <p:nvSpPr>
-          <p:cNvPr id="9" name="TextBox 8">
-            <a:extLst>
-              <a:ext uri="{FF2B5EF4-FFF2-40B4-BE49-F238E27FC236}">
-                <a16:creationId xmlns:a16="http://schemas.microsoft.com/office/drawing/2014/main" id="{171D4EC2-A0F9-4BE7-BDB5-B0B927979516}"/>
-              </a:ext>
-            </a:extLst>
-          </p:cNvPr>
-          <p:cNvSpPr txBox="1"/>
+            <a:pPr marL="342900" indent="-342900">
+              <a:lnSpc>
+                <a:spcPct val="150000"/>
+              </a:lnSpc>
+              <a:buFont typeface="Wingdings" panose="05000000000000000000" pitchFamily="2" charset="2"/>
+              <a:buChar char="v"/>
+            </a:pPr>
+            <a:r>
+              <a:rPr lang="en-US" altLang="ko-KR" sz="2400" b="1" dirty="0"/>
+              <a:t>Introduction</a:t>
+            </a:r>
+          </a:p>
+        </p:txBody>
+      </p:sp>
+      <p:sp>
+        <p:nvSpPr>
+          <p:cNvPr id="5" name="사각형: 둥근 모서리 4">
+            <a:extLst>
+              <a:ext uri="{FF2B5EF4-FFF2-40B4-BE49-F238E27FC236}">
+                <a16:creationId xmlns:a16="http://schemas.microsoft.com/office/drawing/2014/main" id="{979509AF-A27F-733C-57C1-9246C7112254}"/>
+              </a:ext>
+            </a:extLst>
+          </p:cNvPr>
+          <p:cNvSpPr/>
           <p:nvPr/>
         </p:nvSpPr>
         <p:spPr>
           <a:xfrm>
-            <a:off x="567648" y="614518"/>
-            <a:ext cx="11056703" cy="461665"/>
+            <a:off x="567646" y="1337464"/>
+            <a:ext cx="11000510" cy="2092559"/>
           </a:xfrm>
-          <a:prstGeom prst="rect">
+          <a:prstGeom prst="roundRect">
             <a:avLst/>
           </a:prstGeom>
-          <a:noFill/>
-          <a:scene3d>
-            <a:camera prst="obliqueTopLeft"/>
-            <a:lightRig rig="threePt" dir="t"/>
-          </a:scene3d>
+          <a:solidFill>
+            <a:srgbClr val="E2F0D9">
+              <a:alpha val="69804"/>
+            </a:srgbClr>
+          </a:solidFill>
+          <a:ln>
+            <a:noFill/>
+          </a:ln>
         </p:spPr>
-        <p:txBody>
-          <a:bodyPr wrap="square" rtlCol="0">
+        <p:style>
+          <a:lnRef idx="2">
+            <a:schemeClr val="accent1">
+              <a:shade val="50000"/>
+            </a:schemeClr>
+          </a:lnRef>
+          <a:fillRef idx="1">
+            <a:schemeClr val="accent1"/>
+          </a:fillRef>
+          <a:effectRef idx="0">
+            <a:schemeClr val="accent1"/>
+          </a:effectRef>
+          <a:fontRef idx="minor">
+            <a:schemeClr val="lt1"/>
+          </a:fontRef>
+        </p:style>
+        <p:txBody>
+          <a:bodyPr rtlCol="0" anchor="t" anchorCtr="0">
             <a:spAutoFit/>
           </a:bodyPr>
           <a:lstStyle/>
           <a:p>
-            <a:pPr marL="342900" indent="-342900">
+            <a:pPr marL="285750" indent="-285750">
+              <a:lnSpc>
+                <a:spcPct val="150000"/>
+              </a:lnSpc>
               <a:buFont typeface="Wingdings" panose="05000000000000000000" pitchFamily="2" charset="2"/>
-              <a:buChar char="v"/>
+              <a:buChar char="§"/>
             </a:pPr>
             <a:r>
-              <a:rPr lang="en-US" altLang="ko-KR" sz="2400" b="1" dirty="0">
-                <a:latin typeface="+mj-ea"/>
-                <a:ea typeface="+mj-ea"/>
-                <a:cs typeface="조선일보명조" pitchFamily="18" charset="-127"/>
-              </a:rPr>
-              <a:t>Prediction</a:t>
-            </a:r>
-            <a:r>
-              <a:rPr lang="ko-KR" altLang="en-US" sz="2400" b="1" dirty="0">
-                <a:latin typeface="+mj-ea"/>
-                <a:ea typeface="+mj-ea"/>
-                <a:cs typeface="조선일보명조" pitchFamily="18" charset="-127"/>
-              </a:rPr>
-              <a:t> </a:t>
-            </a:r>
-            <a:r>
-              <a:rPr lang="en-US" altLang="ko-KR" sz="2400" b="1" dirty="0">
-                <a:latin typeface="+mj-ea"/>
-                <a:ea typeface="+mj-ea"/>
-                <a:cs typeface="조선일보명조" pitchFamily="18" charset="-127"/>
-              </a:rPr>
-              <a:t>models</a:t>
-            </a:r>
-            <a:endParaRPr lang="ko-KR" altLang="en-US" sz="1600" b="1" dirty="0">
-              <a:latin typeface="+mj-ea"/>
-              <a:ea typeface="+mj-ea"/>
-              <a:cs typeface="조선일보명조" pitchFamily="18" charset="-127"/>
-            </a:endParaRPr>
-          </a:p>
-        </p:txBody>
-      </p:sp>
-      <p:sp>
-        <p:nvSpPr>
-          <p:cNvPr id="11" name="TextBox 10">
-            <a:extLst>
-              <a:ext uri="{FF2B5EF4-FFF2-40B4-BE49-F238E27FC236}">
-                <a16:creationId xmlns:a16="http://schemas.microsoft.com/office/drawing/2014/main" id="{15D97C4F-AB7C-BD44-4BCB-E68DE0FF40AC}"/>
-              </a:ext>
-            </a:extLst>
-          </p:cNvPr>
-          <p:cNvSpPr txBox="1"/>
-          <p:nvPr/>
-        </p:nvSpPr>
-        <p:spPr>
-          <a:xfrm>
-            <a:off x="539551" y="1543804"/>
-            <a:ext cx="11056703" cy="523220"/>
-          </a:xfrm>
-          <a:prstGeom prst="rect">
-            <a:avLst/>
-          </a:prstGeom>
-          <a:noFill/>
-        </p:spPr>
-        <p:txBody>
-          <a:bodyPr wrap="square">
-            <a:spAutoFit/>
-          </a:bodyPr>
-          <a:lstStyle/>
-          <a:p>
-            <a:r>
-              <a:rPr lang="ko-KR" altLang="en-US" sz="1400" dirty="0">
-                <a:solidFill>
-                  <a:schemeClr val="tx1">
-                    <a:lumMod val="65000"/>
-                    <a:lumOff val="35000"/>
-                  </a:schemeClr>
-                </a:solidFill>
-              </a:rPr>
-              <a:t>[77] </a:t>
-            </a:r>
-            <a:r>
-              <a:rPr lang="ko-KR" altLang="en-US" sz="1400" dirty="0" err="1">
-                <a:solidFill>
-                  <a:schemeClr val="tx1">
-                    <a:lumMod val="65000"/>
-                    <a:lumOff val="35000"/>
-                  </a:schemeClr>
-                </a:solidFill>
-              </a:rPr>
-              <a:t>Chae</a:t>
-            </a:r>
-            <a:r>
-              <a:rPr lang="ko-KR" altLang="en-US" sz="1400" dirty="0">
-                <a:solidFill>
-                  <a:schemeClr val="tx1">
-                    <a:lumMod val="65000"/>
-                    <a:lumOff val="35000"/>
-                  </a:schemeClr>
-                </a:solidFill>
-              </a:rPr>
-              <a:t> YT, </a:t>
-            </a:r>
-            <a:r>
-              <a:rPr lang="ko-KR" altLang="en-US" sz="1400" dirty="0" err="1">
-                <a:solidFill>
-                  <a:schemeClr val="tx1">
-                    <a:lumMod val="65000"/>
-                    <a:lumOff val="35000"/>
-                  </a:schemeClr>
-                </a:solidFill>
-              </a:rPr>
-              <a:t>Horesh</a:t>
-            </a:r>
-            <a:r>
-              <a:rPr lang="ko-KR" altLang="en-US" sz="1400" dirty="0">
-                <a:solidFill>
-                  <a:schemeClr val="tx1">
-                    <a:lumMod val="65000"/>
-                    <a:lumOff val="35000"/>
-                  </a:schemeClr>
-                </a:solidFill>
-              </a:rPr>
-              <a:t> </a:t>
-            </a:r>
-            <a:r>
-              <a:rPr lang="ko-KR" altLang="en-US" sz="1400" dirty="0" err="1">
-                <a:solidFill>
-                  <a:schemeClr val="tx1">
-                    <a:lumMod val="65000"/>
-                    <a:lumOff val="35000"/>
-                  </a:schemeClr>
-                </a:solidFill>
-              </a:rPr>
-              <a:t>R</a:t>
-            </a:r>
-            <a:r>
-              <a:rPr lang="ko-KR" altLang="en-US" sz="1400" dirty="0">
-                <a:solidFill>
-                  <a:schemeClr val="tx1">
-                    <a:lumMod val="65000"/>
-                    <a:lumOff val="35000"/>
-                  </a:schemeClr>
-                </a:solidFill>
-              </a:rPr>
-              <a:t>, </a:t>
-            </a:r>
-            <a:r>
-              <a:rPr lang="ko-KR" altLang="en-US" sz="1400" dirty="0" err="1">
-                <a:solidFill>
-                  <a:schemeClr val="tx1">
-                    <a:lumMod val="65000"/>
-                    <a:lumOff val="35000"/>
-                  </a:schemeClr>
-                </a:solidFill>
-              </a:rPr>
-              <a:t>Hwang</a:t>
-            </a:r>
-            <a:r>
-              <a:rPr lang="ko-KR" altLang="en-US" sz="1400" dirty="0">
-                <a:solidFill>
-                  <a:schemeClr val="tx1">
-                    <a:lumMod val="65000"/>
-                    <a:lumOff val="35000"/>
-                  </a:schemeClr>
-                </a:solidFill>
-              </a:rPr>
-              <a:t> </a:t>
-            </a:r>
-            <a:r>
-              <a:rPr lang="ko-KR" altLang="en-US" sz="1400" dirty="0" err="1">
-                <a:solidFill>
-                  <a:schemeClr val="tx1">
-                    <a:lumMod val="65000"/>
-                    <a:lumOff val="35000"/>
-                  </a:schemeClr>
-                </a:solidFill>
-              </a:rPr>
-              <a:t>Y</a:t>
-            </a:r>
-            <a:r>
-              <a:rPr lang="ko-KR" altLang="en-US" sz="1400" dirty="0">
-                <a:solidFill>
-                  <a:schemeClr val="tx1">
-                    <a:lumMod val="65000"/>
-                    <a:lumOff val="35000"/>
-                  </a:schemeClr>
-                </a:solidFill>
-              </a:rPr>
-              <a:t>, Lee YM. </a:t>
-            </a:r>
-            <a:r>
-              <a:rPr lang="ko-KR" altLang="en-US" sz="1400" b="1" dirty="0" err="1">
-                <a:solidFill>
-                  <a:schemeClr val="tx1">
-                    <a:lumMod val="65000"/>
-                    <a:lumOff val="35000"/>
-                  </a:schemeClr>
-                </a:solidFill>
-              </a:rPr>
-              <a:t>Artificial</a:t>
-            </a:r>
-            <a:r>
-              <a:rPr lang="ko-KR" altLang="en-US" sz="1400" b="1" dirty="0">
-                <a:solidFill>
-                  <a:schemeClr val="tx1">
-                    <a:lumMod val="65000"/>
-                    <a:lumOff val="35000"/>
-                  </a:schemeClr>
-                </a:solidFill>
-              </a:rPr>
-              <a:t> </a:t>
-            </a:r>
-            <a:r>
-              <a:rPr lang="ko-KR" altLang="en-US" sz="1400" b="1" dirty="0" err="1">
-                <a:solidFill>
-                  <a:schemeClr val="tx1">
-                    <a:lumMod val="65000"/>
-                    <a:lumOff val="35000"/>
-                  </a:schemeClr>
-                </a:solidFill>
-              </a:rPr>
-              <a:t>neural</a:t>
-            </a:r>
-            <a:r>
-              <a:rPr lang="ko-KR" altLang="en-US" sz="1400" b="1" dirty="0">
-                <a:solidFill>
-                  <a:schemeClr val="tx1">
-                    <a:lumMod val="65000"/>
-                    <a:lumOff val="35000"/>
-                  </a:schemeClr>
-                </a:solidFill>
-              </a:rPr>
-              <a:t> </a:t>
-            </a:r>
-            <a:r>
-              <a:rPr lang="ko-KR" altLang="en-US" sz="1400" b="1" dirty="0" err="1">
-                <a:solidFill>
-                  <a:schemeClr val="tx1">
-                    <a:lumMod val="65000"/>
-                    <a:lumOff val="35000"/>
-                  </a:schemeClr>
-                </a:solidFill>
-              </a:rPr>
-              <a:t>network</a:t>
-            </a:r>
-            <a:r>
-              <a:rPr lang="ko-KR" altLang="en-US" sz="1400" b="1" dirty="0">
-                <a:solidFill>
-                  <a:schemeClr val="tx1">
-                    <a:lumMod val="65000"/>
-                    <a:lumOff val="35000"/>
-                  </a:schemeClr>
-                </a:solidFill>
-              </a:rPr>
-              <a:t> </a:t>
-            </a:r>
-            <a:r>
-              <a:rPr lang="ko-KR" altLang="en-US" sz="1400" b="1" dirty="0" err="1">
-                <a:solidFill>
-                  <a:schemeClr val="tx1">
-                    <a:lumMod val="65000"/>
-                    <a:lumOff val="35000"/>
-                  </a:schemeClr>
-                </a:solidFill>
-              </a:rPr>
-              <a:t>model</a:t>
-            </a:r>
-            <a:r>
-              <a:rPr lang="ko-KR" altLang="en-US" sz="1400" b="1" dirty="0">
-                <a:solidFill>
-                  <a:schemeClr val="tx1">
-                    <a:lumMod val="65000"/>
-                    <a:lumOff val="35000"/>
-                  </a:schemeClr>
-                </a:solidFill>
-              </a:rPr>
-              <a:t> </a:t>
-            </a:r>
-            <a:r>
-              <a:rPr lang="ko-KR" altLang="en-US" sz="1400" b="1" dirty="0" err="1">
-                <a:solidFill>
-                  <a:schemeClr val="tx1">
-                    <a:lumMod val="65000"/>
-                    <a:lumOff val="35000"/>
-                  </a:schemeClr>
-                </a:solidFill>
-              </a:rPr>
-              <a:t>for</a:t>
-            </a:r>
-            <a:r>
-              <a:rPr lang="ko-KR" altLang="en-US" sz="1400" b="1" dirty="0">
-                <a:solidFill>
-                  <a:schemeClr val="tx1">
-                    <a:lumMod val="65000"/>
-                    <a:lumOff val="35000"/>
-                  </a:schemeClr>
-                </a:solidFill>
-              </a:rPr>
-              <a:t> </a:t>
-            </a:r>
-            <a:r>
-              <a:rPr lang="ko-KR" altLang="en-US" sz="1400" b="1" dirty="0" err="1">
-                <a:solidFill>
-                  <a:schemeClr val="tx1">
-                    <a:lumMod val="65000"/>
-                    <a:lumOff val="35000"/>
-                  </a:schemeClr>
-                </a:solidFill>
-              </a:rPr>
-              <a:t>forecasting</a:t>
-            </a:r>
-            <a:r>
-              <a:rPr lang="ko-KR" altLang="en-US" sz="1400" b="1" dirty="0">
-                <a:solidFill>
-                  <a:schemeClr val="tx1">
-                    <a:lumMod val="65000"/>
-                    <a:lumOff val="35000"/>
-                  </a:schemeClr>
-                </a:solidFill>
-              </a:rPr>
-              <a:t> </a:t>
-            </a:r>
-            <a:r>
-              <a:rPr lang="ko-KR" altLang="en-US" sz="1400" b="1" dirty="0" err="1">
-                <a:solidFill>
-                  <a:schemeClr val="tx1">
-                    <a:lumMod val="65000"/>
-                    <a:lumOff val="35000"/>
-                  </a:schemeClr>
-                </a:solidFill>
-              </a:rPr>
-              <a:t>sub-hourly</a:t>
-            </a:r>
-            <a:r>
-              <a:rPr lang="ko-KR" altLang="en-US" sz="1400" b="1" dirty="0">
-                <a:solidFill>
-                  <a:schemeClr val="tx1">
-                    <a:lumMod val="65000"/>
-                    <a:lumOff val="35000"/>
-                  </a:schemeClr>
-                </a:solidFill>
-              </a:rPr>
-              <a:t> </a:t>
-            </a:r>
-            <a:r>
-              <a:rPr lang="ko-KR" altLang="en-US" sz="1400" b="1" dirty="0" err="1">
-                <a:solidFill>
-                  <a:schemeClr val="tx1">
-                    <a:lumMod val="65000"/>
-                    <a:lumOff val="35000"/>
-                  </a:schemeClr>
-                </a:solidFill>
-              </a:rPr>
-              <a:t>electricity</a:t>
-            </a:r>
-            <a:r>
-              <a:rPr lang="ko-KR" altLang="en-US" sz="1400" b="1" dirty="0">
-                <a:solidFill>
-                  <a:schemeClr val="tx1">
-                    <a:lumMod val="65000"/>
-                    <a:lumOff val="35000"/>
-                  </a:schemeClr>
-                </a:solidFill>
-              </a:rPr>
-              <a:t> </a:t>
-            </a:r>
-            <a:r>
-              <a:rPr lang="ko-KR" altLang="en-US" sz="1400" b="1" dirty="0" err="1">
-                <a:solidFill>
-                  <a:schemeClr val="tx1">
-                    <a:lumMod val="65000"/>
-                    <a:lumOff val="35000"/>
-                  </a:schemeClr>
-                </a:solidFill>
-              </a:rPr>
-              <a:t>usage</a:t>
-            </a:r>
-            <a:r>
-              <a:rPr lang="ko-KR" altLang="en-US" sz="1400" b="1" dirty="0">
-                <a:solidFill>
-                  <a:schemeClr val="tx1">
-                    <a:lumMod val="65000"/>
-                    <a:lumOff val="35000"/>
-                  </a:schemeClr>
-                </a:solidFill>
-              </a:rPr>
-              <a:t> </a:t>
-            </a:r>
-            <a:r>
-              <a:rPr lang="ko-KR" altLang="en-US" sz="1400" b="1" dirty="0" err="1">
-                <a:solidFill>
-                  <a:schemeClr val="tx1">
-                    <a:lumMod val="65000"/>
-                    <a:lumOff val="35000"/>
-                  </a:schemeClr>
-                </a:solidFill>
-              </a:rPr>
-              <a:t>in</a:t>
-            </a:r>
-            <a:r>
-              <a:rPr lang="ko-KR" altLang="en-US" sz="1400" b="1" dirty="0">
-                <a:solidFill>
-                  <a:schemeClr val="tx1">
-                    <a:lumMod val="65000"/>
-                    <a:lumOff val="35000"/>
-                  </a:schemeClr>
-                </a:solidFill>
-              </a:rPr>
-              <a:t> Commercial </a:t>
-            </a:r>
-            <a:r>
-              <a:rPr lang="ko-KR" altLang="en-US" sz="1400" b="1" dirty="0" err="1">
-                <a:solidFill>
-                  <a:schemeClr val="tx1">
-                    <a:lumMod val="65000"/>
-                    <a:lumOff val="35000"/>
-                  </a:schemeClr>
-                </a:solidFill>
-              </a:rPr>
-              <a:t>buildings</a:t>
-            </a:r>
-            <a:r>
-              <a:rPr lang="ko-KR" altLang="en-US" sz="1400" dirty="0">
-                <a:solidFill>
-                  <a:schemeClr val="tx1">
-                    <a:lumMod val="65000"/>
-                    <a:lumOff val="35000"/>
-                  </a:schemeClr>
-                </a:solidFill>
-              </a:rPr>
-              <a:t>. Energy Build2016;111:184–94. </a:t>
-            </a:r>
-            <a:r>
-              <a:rPr lang="ko-KR" altLang="en-US" sz="1400" dirty="0">
-                <a:solidFill>
-                  <a:schemeClr val="tx1">
-                    <a:lumMod val="65000"/>
-                    <a:lumOff val="35000"/>
-                  </a:schemeClr>
-                </a:solidFill>
-                <a:hlinkClick r:id="rId3"/>
-              </a:rPr>
-              <a:t>http://dx.doi.org/10.1016/j.enbuild.2015.11.04</a:t>
-            </a:r>
-            <a:r>
-              <a:rPr lang="ko-KR" altLang="en-US" sz="1400" dirty="0">
-                <a:solidFill>
-                  <a:schemeClr val="tx1">
-                    <a:lumMod val="65000"/>
-                    <a:lumOff val="35000"/>
-                  </a:schemeClr>
-                </a:solidFill>
-              </a:rPr>
-              <a:t> </a:t>
-            </a:r>
-            <a:endParaRPr lang="en-US" altLang="ko-KR" sz="1400" dirty="0">
-              <a:solidFill>
-                <a:schemeClr val="tx1">
-                  <a:lumMod val="65000"/>
-                  <a:lumOff val="35000"/>
-                </a:schemeClr>
-              </a:solidFill>
-            </a:endParaRPr>
-          </a:p>
-        </p:txBody>
-      </p:sp>
-      <p:sp>
-        <p:nvSpPr>
-          <p:cNvPr id="12" name="TextBox 11">
-            <a:extLst>
-              <a:ext uri="{FF2B5EF4-FFF2-40B4-BE49-F238E27FC236}">
-                <a16:creationId xmlns:a16="http://schemas.microsoft.com/office/drawing/2014/main" id="{9E274D2E-69E4-B260-35AB-9ADB2B9DA2E2}"/>
-              </a:ext>
-            </a:extLst>
-          </p:cNvPr>
-          <p:cNvSpPr txBox="1"/>
-          <p:nvPr/>
-        </p:nvSpPr>
-        <p:spPr>
-          <a:xfrm>
-            <a:off x="567648" y="3066971"/>
-            <a:ext cx="11056702" cy="523220"/>
-          </a:xfrm>
-          <a:prstGeom prst="rect">
-            <a:avLst/>
-          </a:prstGeom>
-          <a:noFill/>
-        </p:spPr>
-        <p:txBody>
-          <a:bodyPr wrap="square">
-            <a:spAutoFit/>
-          </a:bodyPr>
-          <a:lstStyle/>
-          <a:p>
-            <a:r>
-              <a:rPr lang="en-US" altLang="ko-KR" sz="1400" dirty="0">
-                <a:solidFill>
-                  <a:schemeClr val="tx1">
-                    <a:lumMod val="65000"/>
-                    <a:lumOff val="35000"/>
-                  </a:schemeClr>
-                </a:solidFill>
-              </a:rPr>
-              <a:t>[98] Dong B, Li Z, Rahman SMM, Vega R. </a:t>
-            </a:r>
-            <a:r>
-              <a:rPr lang="en-US" altLang="ko-KR" sz="1400" b="1" dirty="0">
-                <a:solidFill>
-                  <a:schemeClr val="tx1">
-                    <a:lumMod val="65000"/>
-                    <a:lumOff val="35000"/>
-                  </a:schemeClr>
-                </a:solidFill>
-              </a:rPr>
-              <a:t>A hybrid model approach for forecasting future residential electricity consumption. </a:t>
-            </a:r>
-            <a:r>
-              <a:rPr lang="en-US" altLang="ko-KR" sz="1400" dirty="0">
-                <a:solidFill>
-                  <a:schemeClr val="tx1">
-                    <a:lumMod val="65000"/>
-                    <a:lumOff val="35000"/>
-                  </a:schemeClr>
-                </a:solidFill>
-              </a:rPr>
-              <a:t>Energy Build 2016;117:341–51. http:// dx.doi.org/10.1016/j.enbuild.2015.09.033 </a:t>
+              <a:rPr lang="en-US" altLang="ko-KR" sz="1600" dirty="0">
+                <a:solidFill>
+                  <a:schemeClr val="tx1"/>
+                </a:solidFill>
+              </a:rPr>
+              <a:t>Forecasting electricity load – commercial &amp; industrial building</a:t>
+            </a:r>
+          </a:p>
+          <a:p>
+            <a:pPr marL="742950" lvl="1" indent="-285750">
+              <a:lnSpc>
+                <a:spcPct val="150000"/>
+              </a:lnSpc>
+              <a:buFont typeface="Wingdings" panose="05000000000000000000" pitchFamily="2" charset="2"/>
+              <a:buChar char="§"/>
+            </a:pPr>
+            <a:r>
+              <a:rPr lang="en-US" altLang="ko-KR" sz="1600" dirty="0">
+                <a:solidFill>
+                  <a:schemeClr val="tx1"/>
+                </a:solidFill>
+              </a:rPr>
+              <a:t>Better manage energy usage</a:t>
+            </a:r>
+          </a:p>
+          <a:p>
+            <a:pPr marL="285750" indent="-285750">
+              <a:lnSpc>
+                <a:spcPct val="150000"/>
+              </a:lnSpc>
+              <a:buFont typeface="Wingdings" panose="05000000000000000000" pitchFamily="2" charset="2"/>
+              <a:buChar char="§"/>
+            </a:pPr>
+            <a:r>
+              <a:rPr lang="en-US" altLang="ko-KR" sz="1600" dirty="0">
+                <a:solidFill>
+                  <a:schemeClr val="tx1"/>
+                </a:solidFill>
+              </a:rPr>
+              <a:t>The short-term load forecast (STLF) – a period shorter than a day</a:t>
+            </a:r>
+          </a:p>
+          <a:p>
+            <a:pPr marL="742950" lvl="1" indent="-285750">
+              <a:lnSpc>
+                <a:spcPct val="150000"/>
+              </a:lnSpc>
+              <a:buFont typeface="Wingdings" panose="05000000000000000000" pitchFamily="2" charset="2"/>
+              <a:buChar char="§"/>
+            </a:pPr>
+            <a:r>
+              <a:rPr lang="en-US" altLang="ko-KR" sz="1600" dirty="0">
+                <a:solidFill>
+                  <a:schemeClr val="tx1"/>
+                </a:solidFill>
+              </a:rPr>
+              <a:t>Because the utility prices may change by seasonality, time-of-use in on/off peak period, and contract demand</a:t>
             </a:r>
           </a:p>
         </p:txBody>
@@ -8102,7 +8574,7 @@
     </p:spTree>
     <p:extLst>
       <p:ext uri="{BB962C8B-B14F-4D97-AF65-F5344CB8AC3E}">
-        <p14:creationId xmlns:p14="http://schemas.microsoft.com/office/powerpoint/2010/main" val="464853308"/>
+        <p14:creationId xmlns:p14="http://schemas.microsoft.com/office/powerpoint/2010/main" val="3100450580"/>
       </p:ext>
     </p:extLst>
   </p:cSld>
